--- a/工作日報_葉柏漢/2021.11/2021.11.06(假日加班)工作日報_葉柏漢.pptx
+++ b/工作日報_葉柏漢/2021.11/2021.11.06(假日加班)工作日報_葉柏漢.pptx
@@ -114,7 +114,7 @@
   </p:defaultTextStyle>
   <p:extLst>
     <p:ext uri="{EFAFB233-063F-42B5-8137-9DF3F51BA10A}">
-      <p15:sldGuideLst xmlns:p15="http://schemas.microsoft.com/office/powerpoint/2012/main" xmlns="">
+      <p15:sldGuideLst xmlns="" xmlns:p15="http://schemas.microsoft.com/office/powerpoint/2012/main">
         <p15:guide id="1" orient="horz" pos="2160" userDrawn="1">
           <p15:clr>
             <a:srgbClr val="A4A3A4"/>
@@ -4544,7 +4544,7 @@
           <p:cNvPr id="18" name="矩形: 圆角 17">
             <a:extLst>
               <a:ext uri="{FF2B5EF4-FFF2-40B4-BE49-F238E27FC236}">
-                <a16:creationId xmlns:a16="http://schemas.microsoft.com/office/drawing/2014/main" xmlns="" id="{822EAB1A-0613-4B84-B43A-020769A84C2F}"/>
+                <a16:creationId xmlns="" xmlns:a16="http://schemas.microsoft.com/office/drawing/2014/main" id="{822EAB1A-0613-4B84-B43A-020769A84C2F}"/>
               </a:ext>
             </a:extLst>
           </p:cNvPr>
@@ -4610,7 +4610,7 @@
           <p:cNvPr id="4" name="矩形: 圆角 3">
             <a:extLst>
               <a:ext uri="{FF2B5EF4-FFF2-40B4-BE49-F238E27FC236}">
-                <a16:creationId xmlns:a16="http://schemas.microsoft.com/office/drawing/2014/main" xmlns="" id="{CFAF4C25-9AB4-4329-B21C-0F7CB88F0784}"/>
+                <a16:creationId xmlns="" xmlns:a16="http://schemas.microsoft.com/office/drawing/2014/main" id="{CFAF4C25-9AB4-4329-B21C-0F7CB88F0784}"/>
               </a:ext>
             </a:extLst>
           </p:cNvPr>
@@ -4676,7 +4676,7 @@
           <p:cNvPr id="5" name="文本框 4">
             <a:extLst>
               <a:ext uri="{FF2B5EF4-FFF2-40B4-BE49-F238E27FC236}">
-                <a16:creationId xmlns:a16="http://schemas.microsoft.com/office/drawing/2014/main" xmlns="" id="{959F8909-6800-4D81-9559-FFAEB41A80C1}"/>
+                <a16:creationId xmlns="" xmlns:a16="http://schemas.microsoft.com/office/drawing/2014/main" id="{959F8909-6800-4D81-9559-FFAEB41A80C1}"/>
               </a:ext>
             </a:extLst>
           </p:cNvPr>
@@ -4740,7 +4740,7 @@
           <p:cNvPr id="6" name="文本框 5">
             <a:extLst>
               <a:ext uri="{FF2B5EF4-FFF2-40B4-BE49-F238E27FC236}">
-                <a16:creationId xmlns:a16="http://schemas.microsoft.com/office/drawing/2014/main" xmlns="" id="{F8829203-F363-4337-ACAC-0D2C4AE6A337}"/>
+                <a16:creationId xmlns="" xmlns:a16="http://schemas.microsoft.com/office/drawing/2014/main" id="{F8829203-F363-4337-ACAC-0D2C4AE6A337}"/>
               </a:ext>
             </a:extLst>
           </p:cNvPr>
@@ -4807,7 +4807,7 @@
           <p:cNvPr id="8" name="椭圆 7">
             <a:extLst>
               <a:ext uri="{FF2B5EF4-FFF2-40B4-BE49-F238E27FC236}">
-                <a16:creationId xmlns:a16="http://schemas.microsoft.com/office/drawing/2014/main" xmlns="" id="{08B93554-9443-4291-83BC-91BEC5088783}"/>
+                <a16:creationId xmlns="" xmlns:a16="http://schemas.microsoft.com/office/drawing/2014/main" id="{08B93554-9443-4291-83BC-91BEC5088783}"/>
               </a:ext>
             </a:extLst>
           </p:cNvPr>
@@ -4869,7 +4869,7 @@
           <p:cNvPr id="9" name="椭圆 8">
             <a:extLst>
               <a:ext uri="{FF2B5EF4-FFF2-40B4-BE49-F238E27FC236}">
-                <a16:creationId xmlns:a16="http://schemas.microsoft.com/office/drawing/2014/main" xmlns="" id="{16338DEE-2916-4AC7-A537-1507B9F2A824}"/>
+                <a16:creationId xmlns="" xmlns:a16="http://schemas.microsoft.com/office/drawing/2014/main" id="{16338DEE-2916-4AC7-A537-1507B9F2A824}"/>
               </a:ext>
             </a:extLst>
           </p:cNvPr>
@@ -4931,7 +4931,7 @@
           <p:cNvPr id="13" name="组合 12">
             <a:extLst>
               <a:ext uri="{FF2B5EF4-FFF2-40B4-BE49-F238E27FC236}">
-                <a16:creationId xmlns:a16="http://schemas.microsoft.com/office/drawing/2014/main" xmlns="" id="{C0EF9AE3-F1B9-443C-9F86-CDF322936010}"/>
+                <a16:creationId xmlns="" xmlns:a16="http://schemas.microsoft.com/office/drawing/2014/main" id="{C0EF9AE3-F1B9-443C-9F86-CDF322936010}"/>
               </a:ext>
             </a:extLst>
           </p:cNvPr>
@@ -4951,7 +4951,7 @@
             <p:cNvPr id="12" name="矩形: 圆角 11">
               <a:extLst>
                 <a:ext uri="{FF2B5EF4-FFF2-40B4-BE49-F238E27FC236}">
-                  <a16:creationId xmlns:a16="http://schemas.microsoft.com/office/drawing/2014/main" xmlns="" id="{4E9D624C-B884-49D6-955A-058878E5E13C}"/>
+                  <a16:creationId xmlns="" xmlns:a16="http://schemas.microsoft.com/office/drawing/2014/main" id="{4E9D624C-B884-49D6-955A-058878E5E13C}"/>
                 </a:ext>
               </a:extLst>
             </p:cNvPr>
@@ -5015,7 +5015,7 @@
             <p:cNvPr id="10" name="文本框 9">
               <a:extLst>
                 <a:ext uri="{FF2B5EF4-FFF2-40B4-BE49-F238E27FC236}">
-                  <a16:creationId xmlns:a16="http://schemas.microsoft.com/office/drawing/2014/main" xmlns="" id="{D7F488F0-218D-4123-B444-742EAD00AD0E}"/>
+                  <a16:creationId xmlns="" xmlns:a16="http://schemas.microsoft.com/office/drawing/2014/main" id="{D7F488F0-218D-4123-B444-742EAD00AD0E}"/>
                 </a:ext>
               </a:extLst>
             </p:cNvPr>
@@ -5073,7 +5073,7 @@
           <p:cNvPr id="16" name="组合 15">
             <a:extLst>
               <a:ext uri="{FF2B5EF4-FFF2-40B4-BE49-F238E27FC236}">
-                <a16:creationId xmlns:a16="http://schemas.microsoft.com/office/drawing/2014/main" xmlns="" id="{9653DEAF-0910-48E8-8375-9FC078E9D0D6}"/>
+                <a16:creationId xmlns="" xmlns:a16="http://schemas.microsoft.com/office/drawing/2014/main" id="{9653DEAF-0910-48E8-8375-9FC078E9D0D6}"/>
               </a:ext>
             </a:extLst>
           </p:cNvPr>
@@ -5093,7 +5093,7 @@
             <p:cNvPr id="15" name="矩形: 圆角 14">
               <a:extLst>
                 <a:ext uri="{FF2B5EF4-FFF2-40B4-BE49-F238E27FC236}">
-                  <a16:creationId xmlns:a16="http://schemas.microsoft.com/office/drawing/2014/main" xmlns="" id="{CC29E14A-0550-4BFF-99D2-A94938E4EB84}"/>
+                  <a16:creationId xmlns="" xmlns:a16="http://schemas.microsoft.com/office/drawing/2014/main" id="{CC29E14A-0550-4BFF-99D2-A94938E4EB84}"/>
                 </a:ext>
               </a:extLst>
             </p:cNvPr>
@@ -5157,7 +5157,7 @@
             <p:cNvPr id="11" name="文本框 10">
               <a:extLst>
                 <a:ext uri="{FF2B5EF4-FFF2-40B4-BE49-F238E27FC236}">
-                  <a16:creationId xmlns:a16="http://schemas.microsoft.com/office/drawing/2014/main" xmlns="" id="{333307C3-A861-42E7-A2DA-6BAC1BCA9E3C}"/>
+                  <a16:creationId xmlns="" xmlns:a16="http://schemas.microsoft.com/office/drawing/2014/main" id="{333307C3-A861-42E7-A2DA-6BAC1BCA9E3C}"/>
                 </a:ext>
               </a:extLst>
             </p:cNvPr>
@@ -5215,7 +5215,7 @@
           <p:cNvPr id="17" name="组合 15">
             <a:extLst>
               <a:ext uri="{FF2B5EF4-FFF2-40B4-BE49-F238E27FC236}">
-                <a16:creationId xmlns:a16="http://schemas.microsoft.com/office/drawing/2014/main" xmlns="" id="{9653DEAF-0910-48E8-8375-9FC078E9D0D6}"/>
+                <a16:creationId xmlns="" xmlns:a16="http://schemas.microsoft.com/office/drawing/2014/main" id="{9653DEAF-0910-48E8-8375-9FC078E9D0D6}"/>
               </a:ext>
             </a:extLst>
           </p:cNvPr>
@@ -5235,7 +5235,7 @@
             <p:cNvPr id="19" name="矩形: 圆角 14">
               <a:extLst>
                 <a:ext uri="{FF2B5EF4-FFF2-40B4-BE49-F238E27FC236}">
-                  <a16:creationId xmlns:a16="http://schemas.microsoft.com/office/drawing/2014/main" xmlns="" id="{CC29E14A-0550-4BFF-99D2-A94938E4EB84}"/>
+                  <a16:creationId xmlns="" xmlns:a16="http://schemas.microsoft.com/office/drawing/2014/main" id="{CC29E14A-0550-4BFF-99D2-A94938E4EB84}"/>
                 </a:ext>
               </a:extLst>
             </p:cNvPr>
@@ -5299,7 +5299,7 @@
             <p:cNvPr id="20" name="文本框 10">
               <a:extLst>
                 <a:ext uri="{FF2B5EF4-FFF2-40B4-BE49-F238E27FC236}">
-                  <a16:creationId xmlns:a16="http://schemas.microsoft.com/office/drawing/2014/main" xmlns="" id="{333307C3-A861-42E7-A2DA-6BAC1BCA9E3C}"/>
+                  <a16:creationId xmlns="" xmlns:a16="http://schemas.microsoft.com/office/drawing/2014/main" id="{333307C3-A861-42E7-A2DA-6BAC1BCA9E3C}"/>
                 </a:ext>
               </a:extLst>
             </p:cNvPr>
@@ -5378,7 +5378,7 @@
         <p:random/>
       </p:transition>
     </mc:Choice>
-    <mc:Fallback xmlns="" xmlns:a16="http://schemas.microsoft.com/office/drawing/2014/main">
+    <mc:Fallback xmlns:a16="http://schemas.microsoft.com/office/drawing/2014/main" xmlns="">
       <p:transition spd="slow" advTm="4078">
         <p:random/>
       </p:transition>
@@ -5835,7 +5835,7 @@
           <p:cNvPr id="7" name="组合 6">
             <a:extLst>
               <a:ext uri="{FF2B5EF4-FFF2-40B4-BE49-F238E27FC236}">
-                <a16:creationId xmlns:a16="http://schemas.microsoft.com/office/drawing/2014/main" xmlns="" id="{5016DF47-4C78-4917-983C-FFC43C3A22DB}"/>
+                <a16:creationId xmlns="" xmlns:a16="http://schemas.microsoft.com/office/drawing/2014/main" id="{5016DF47-4C78-4917-983C-FFC43C3A22DB}"/>
               </a:ext>
             </a:extLst>
           </p:cNvPr>
@@ -5855,7 +5855,7 @@
             <p:cNvPr id="4" name="文本框 3">
               <a:extLst>
                 <a:ext uri="{FF2B5EF4-FFF2-40B4-BE49-F238E27FC236}">
-                  <a16:creationId xmlns:a16="http://schemas.microsoft.com/office/drawing/2014/main" xmlns="" id="{09FE6907-8676-429A-9B5A-DC3FAFE110A8}"/>
+                  <a16:creationId xmlns="" xmlns:a16="http://schemas.microsoft.com/office/drawing/2014/main" id="{09FE6907-8676-429A-9B5A-DC3FAFE110A8}"/>
                 </a:ext>
               </a:extLst>
             </p:cNvPr>
@@ -5897,7 +5897,7 @@
             <p:cNvPr id="6" name="文本框 5">
               <a:extLst>
                 <a:ext uri="{FF2B5EF4-FFF2-40B4-BE49-F238E27FC236}">
-                  <a16:creationId xmlns:a16="http://schemas.microsoft.com/office/drawing/2014/main" xmlns="" id="{6123FD62-F930-464F-86A1-4D1030B58358}"/>
+                  <a16:creationId xmlns="" xmlns:a16="http://schemas.microsoft.com/office/drawing/2014/main" id="{6123FD62-F930-464F-86A1-4D1030B58358}"/>
                 </a:ext>
               </a:extLst>
             </p:cNvPr>
@@ -5954,7 +5954,7 @@
           <p:cNvPr id="8" name="文本框 7">
             <a:extLst>
               <a:ext uri="{FF2B5EF4-FFF2-40B4-BE49-F238E27FC236}">
-                <a16:creationId xmlns:a16="http://schemas.microsoft.com/office/drawing/2014/main" xmlns="" id="{61D68AC2-6217-4618-9FF2-2840E7AAD8C2}"/>
+                <a16:creationId xmlns="" xmlns:a16="http://schemas.microsoft.com/office/drawing/2014/main" id="{61D68AC2-6217-4618-9FF2-2840E7AAD8C2}"/>
               </a:ext>
             </a:extLst>
           </p:cNvPr>
@@ -6044,7 +6044,7 @@
         <p:random/>
       </p:transition>
     </mc:Choice>
-    <mc:Fallback xmlns="" xmlns:a16="http://schemas.microsoft.com/office/drawing/2014/main" xmlns:a14="http://schemas.microsoft.com/office/drawing/2010/main">
+    <mc:Fallback xmlns:a14="http://schemas.microsoft.com/office/drawing/2010/main" xmlns:a16="http://schemas.microsoft.com/office/drawing/2014/main" xmlns="">
       <p:transition spd="slow" advTm="4024">
         <p:random/>
       </p:transition>
@@ -6214,7 +6214,7 @@
           <p:cNvPr id="2" name="矩形 1">
             <a:extLst>
               <a:ext uri="{FF2B5EF4-FFF2-40B4-BE49-F238E27FC236}">
-                <a16:creationId xmlns:a16="http://schemas.microsoft.com/office/drawing/2014/main" xmlns="" id="{6130B33B-FCB5-4AFA-8175-BA08126D80E1}"/>
+                <a16:creationId xmlns="" xmlns:a16="http://schemas.microsoft.com/office/drawing/2014/main" id="{6130B33B-FCB5-4AFA-8175-BA08126D80E1}"/>
               </a:ext>
             </a:extLst>
           </p:cNvPr>
@@ -6272,7 +6272,7 @@
           <p:cNvPr id="3" name="组合 2">
             <a:extLst>
               <a:ext uri="{FF2B5EF4-FFF2-40B4-BE49-F238E27FC236}">
-                <a16:creationId xmlns:a16="http://schemas.microsoft.com/office/drawing/2014/main" xmlns="" id="{CF3B8F59-C87E-48F7-911B-3FCC3B1922F9}"/>
+                <a16:creationId xmlns="" xmlns:a16="http://schemas.microsoft.com/office/drawing/2014/main" id="{CF3B8F59-C87E-48F7-911B-3FCC3B1922F9}"/>
               </a:ext>
             </a:extLst>
           </p:cNvPr>
@@ -6292,7 +6292,7 @@
             <p:cNvPr id="4" name="文本框 3">
               <a:extLst>
                 <a:ext uri="{FF2B5EF4-FFF2-40B4-BE49-F238E27FC236}">
-                  <a16:creationId xmlns:a16="http://schemas.microsoft.com/office/drawing/2014/main" xmlns="" id="{F069F7C5-7C6B-4416-BA43-7E9FF2B95F70}"/>
+                  <a16:creationId xmlns="" xmlns:a16="http://schemas.microsoft.com/office/drawing/2014/main" id="{F069F7C5-7C6B-4416-BA43-7E9FF2B95F70}"/>
                 </a:ext>
               </a:extLst>
             </p:cNvPr>
@@ -6347,7 +6347,7 @@
             <p:cNvPr id="5" name="文本框 4">
               <a:extLst>
                 <a:ext uri="{FF2B5EF4-FFF2-40B4-BE49-F238E27FC236}">
-                  <a16:creationId xmlns:a16="http://schemas.microsoft.com/office/drawing/2014/main" xmlns="" id="{E7404F6D-3A40-4203-8F0A-6169C74FB4CA}"/>
+                  <a16:creationId xmlns="" xmlns:a16="http://schemas.microsoft.com/office/drawing/2014/main" id="{E7404F6D-3A40-4203-8F0A-6169C74FB4CA}"/>
                 </a:ext>
               </a:extLst>
             </p:cNvPr>
@@ -6534,7 +6534,7 @@
         <p:random/>
       </p:transition>
     </mc:Choice>
-    <mc:Fallback xmlns="" xmlns:a16="http://schemas.microsoft.com/office/drawing/2014/main" xmlns:a14="http://schemas.microsoft.com/office/drawing/2010/main">
+    <mc:Fallback xmlns:a14="http://schemas.microsoft.com/office/drawing/2010/main" xmlns:a16="http://schemas.microsoft.com/office/drawing/2014/main" xmlns="">
       <p:transition spd="slow" advTm="3414">
         <p:random/>
       </p:transition>
@@ -6704,7 +6704,7 @@
           <p:cNvPr id="2" name="矩形 1">
             <a:extLst>
               <a:ext uri="{FF2B5EF4-FFF2-40B4-BE49-F238E27FC236}">
-                <a16:creationId xmlns:a16="http://schemas.microsoft.com/office/drawing/2014/main" xmlns="" id="{6130B33B-FCB5-4AFA-8175-BA08126D80E1}"/>
+                <a16:creationId xmlns="" xmlns:a16="http://schemas.microsoft.com/office/drawing/2014/main" id="{6130B33B-FCB5-4AFA-8175-BA08126D80E1}"/>
               </a:ext>
             </a:extLst>
           </p:cNvPr>
@@ -6762,7 +6762,7 @@
           <p:cNvPr id="3" name="组合 2">
             <a:extLst>
               <a:ext uri="{FF2B5EF4-FFF2-40B4-BE49-F238E27FC236}">
-                <a16:creationId xmlns:a16="http://schemas.microsoft.com/office/drawing/2014/main" xmlns="" id="{CF3B8F59-C87E-48F7-911B-3FCC3B1922F9}"/>
+                <a16:creationId xmlns="" xmlns:a16="http://schemas.microsoft.com/office/drawing/2014/main" id="{CF3B8F59-C87E-48F7-911B-3FCC3B1922F9}"/>
               </a:ext>
             </a:extLst>
           </p:cNvPr>
@@ -6782,7 +6782,7 @@
             <p:cNvPr id="4" name="文本框 3">
               <a:extLst>
                 <a:ext uri="{FF2B5EF4-FFF2-40B4-BE49-F238E27FC236}">
-                  <a16:creationId xmlns:a16="http://schemas.microsoft.com/office/drawing/2014/main" xmlns="" id="{F069F7C5-7C6B-4416-BA43-7E9FF2B95F70}"/>
+                  <a16:creationId xmlns="" xmlns:a16="http://schemas.microsoft.com/office/drawing/2014/main" id="{F069F7C5-7C6B-4416-BA43-7E9FF2B95F70}"/>
                 </a:ext>
               </a:extLst>
             </p:cNvPr>
@@ -6838,7 +6838,7 @@
             <p:cNvPr id="5" name="文本框 4">
               <a:extLst>
                 <a:ext uri="{FF2B5EF4-FFF2-40B4-BE49-F238E27FC236}">
-                  <a16:creationId xmlns:a16="http://schemas.microsoft.com/office/drawing/2014/main" xmlns="" id="{E7404F6D-3A40-4203-8F0A-6169C74FB4CA}"/>
+                  <a16:creationId xmlns="" xmlns:a16="http://schemas.microsoft.com/office/drawing/2014/main" id="{E7404F6D-3A40-4203-8F0A-6169C74FB4CA}"/>
                 </a:ext>
               </a:extLst>
             </p:cNvPr>
@@ -6995,20 +6995,8 @@
           <a:p>
             <a:pPr algn="ctr"/>
             <a:r>
-              <a:rPr lang="zh-TW" altLang="en-US" dirty="0"/>
-              <a:t>目前</a:t>
-            </a:r>
-            <a:r>
               <a:rPr lang="zh-TW" altLang="en-US" dirty="0" smtClean="0"/>
-              <a:t>已經處理到</a:t>
-            </a:r>
-            <a:r>
-              <a:rPr lang="zh-TW" altLang="en-US" dirty="0" smtClean="0">
-                <a:solidFill>
-                  <a:srgbClr val="FF0000"/>
-                </a:solidFill>
-              </a:rPr>
-              <a:t>溫室型式設計</a:t>
+              <a:t>已經將目前所有的程式碼都上註解了</a:t>
             </a:r>
             <a:endParaRPr lang="zh-TW" altLang="en-US" dirty="0">
               <a:solidFill>
@@ -7037,7 +7025,7 @@
         <p:random/>
       </p:transition>
     </mc:Choice>
-    <mc:Fallback xmlns="" xmlns:a16="http://schemas.microsoft.com/office/drawing/2014/main" xmlns:a14="http://schemas.microsoft.com/office/drawing/2010/main">
+    <mc:Fallback xmlns:a14="http://schemas.microsoft.com/office/drawing/2010/main" xmlns:a16="http://schemas.microsoft.com/office/drawing/2014/main" xmlns="">
       <p:transition spd="slow" advTm="3414">
         <p:random/>
       </p:transition>
@@ -7207,7 +7195,7 @@
           <p:cNvPr id="18" name="矩形: 圆角 17">
             <a:extLst>
               <a:ext uri="{FF2B5EF4-FFF2-40B4-BE49-F238E27FC236}">
-                <a16:creationId xmlns:a16="http://schemas.microsoft.com/office/drawing/2014/main" xmlns="" id="{822EAB1A-0613-4B84-B43A-020769A84C2F}"/>
+                <a16:creationId xmlns="" xmlns:a16="http://schemas.microsoft.com/office/drawing/2014/main" id="{822EAB1A-0613-4B84-B43A-020769A84C2F}"/>
               </a:ext>
             </a:extLst>
           </p:cNvPr>
@@ -7298,7 +7286,7 @@
           <p:cNvPr id="4" name="矩形: 圆角 3">
             <a:extLst>
               <a:ext uri="{FF2B5EF4-FFF2-40B4-BE49-F238E27FC236}">
-                <a16:creationId xmlns:a16="http://schemas.microsoft.com/office/drawing/2014/main" xmlns="" id="{CFAF4C25-9AB4-4329-B21C-0F7CB88F0784}"/>
+                <a16:creationId xmlns="" xmlns:a16="http://schemas.microsoft.com/office/drawing/2014/main" id="{CFAF4C25-9AB4-4329-B21C-0F7CB88F0784}"/>
               </a:ext>
             </a:extLst>
           </p:cNvPr>
@@ -7389,7 +7377,7 @@
           <p:cNvPr id="7" name="文本框 6">
             <a:extLst>
               <a:ext uri="{FF2B5EF4-FFF2-40B4-BE49-F238E27FC236}">
-                <a16:creationId xmlns:a16="http://schemas.microsoft.com/office/drawing/2014/main" xmlns="" id="{D2947702-0219-4F74-958A-0A5A704ECCC4}"/>
+                <a16:creationId xmlns="" xmlns:a16="http://schemas.microsoft.com/office/drawing/2014/main" id="{D2947702-0219-4F74-958A-0A5A704ECCC4}"/>
               </a:ext>
             </a:extLst>
           </p:cNvPr>
@@ -7466,7 +7454,7 @@
           <p:cNvPr id="8" name="椭圆 7">
             <a:extLst>
               <a:ext uri="{FF2B5EF4-FFF2-40B4-BE49-F238E27FC236}">
-                <a16:creationId xmlns:a16="http://schemas.microsoft.com/office/drawing/2014/main" xmlns="" id="{08B93554-9443-4291-83BC-91BEC5088783}"/>
+                <a16:creationId xmlns="" xmlns:a16="http://schemas.microsoft.com/office/drawing/2014/main" id="{08B93554-9443-4291-83BC-91BEC5088783}"/>
               </a:ext>
             </a:extLst>
           </p:cNvPr>
@@ -7553,7 +7541,7 @@
           <p:cNvPr id="9" name="椭圆 8">
             <a:extLst>
               <a:ext uri="{FF2B5EF4-FFF2-40B4-BE49-F238E27FC236}">
-                <a16:creationId xmlns:a16="http://schemas.microsoft.com/office/drawing/2014/main" xmlns="" id="{16338DEE-2916-4AC7-A537-1507B9F2A824}"/>
+                <a16:creationId xmlns="" xmlns:a16="http://schemas.microsoft.com/office/drawing/2014/main" id="{16338DEE-2916-4AC7-A537-1507B9F2A824}"/>
               </a:ext>
             </a:extLst>
           </p:cNvPr>
@@ -7654,7 +7642,7 @@
         <p:random/>
       </p:transition>
     </mc:Choice>
-    <mc:Fallback xmlns="" xmlns:a16="http://schemas.microsoft.com/office/drawing/2014/main">
+    <mc:Fallback xmlns:a16="http://schemas.microsoft.com/office/drawing/2014/main" xmlns="">
       <p:transition spd="slow" advTm="3880">
         <p:random/>
       </p:transition>
@@ -8020,7 +8008,7 @@
   <a:extraClrSchemeLst/>
   <a:extLst>
     <a:ext uri="{05A4C25C-085E-4340-85A3-A5531E510DB2}">
-      <thm15:themeFamily xmlns:thm15="http://schemas.microsoft.com/office/thememl/2012/main" xmlns="" name="Office Theme" id="{62F939B6-93AF-4DB8-9C6B-D6C7DFDC589F}" vid="{4A3C46E8-61CC-4603-A589-7422A47A8E4A}"/>
+      <thm15:themeFamily xmlns="" xmlns:thm15="http://schemas.microsoft.com/office/thememl/2012/main" name="Office Theme" id="{62F939B6-93AF-4DB8-9C6B-D6C7DFDC589F}" vid="{4A3C46E8-61CC-4603-A589-7422A47A8E4A}"/>
     </a:ext>
   </a:extLst>
 </a:theme>
@@ -8566,7 +8554,7 @@
   <a:extraClrSchemeLst/>
   <a:extLst>
     <a:ext uri="{05A4C25C-085E-4340-85A3-A5531E510DB2}">
-      <thm15:themeFamily xmlns:thm15="http://schemas.microsoft.com/office/thememl/2012/main" xmlns="" name="Office Theme" id="{62F939B6-93AF-4DB8-9C6B-D6C7DFDC589F}" vid="{4A3C46E8-61CC-4603-A589-7422A47A8E4A}"/>
+      <thm15:themeFamily xmlns="" xmlns:thm15="http://schemas.microsoft.com/office/thememl/2012/main" name="Office Theme" id="{62F939B6-93AF-4DB8-9C6B-D6C7DFDC589F}" vid="{4A3C46E8-61CC-4603-A589-7422A47A8E4A}"/>
     </a:ext>
   </a:extLst>
 </a:theme>
